--- a/PPT FWD TNSDC 2025.pptx
+++ b/PPT FWD TNSDC 2025.pptx
@@ -218,7 +218,7 @@
           <a:p>
             <a:fld id="{84B86612-B127-4CD0-BF15-66D49A7175F7}" type="datetimeFigureOut">
               <a:rPr lang="en-IN" smtClean="0"/>
-              <a:t>30-08-2025</a:t>
+              <a:t>29-08-2025</a:t>
             </a:fld>
             <a:endParaRPr lang="en-IN"/>
           </a:p>
@@ -715,7 +715,7 @@
           <a:p>
             <a:fld id="{1D8BD707-D9CF-40AE-B4C6-C98DA3205C09}" type="datetimeFigureOut">
               <a:rPr lang="en-US"/>
-              <a:t>8/30/2025</a:t>
+              <a:t>8/29/2025</a:t>
             </a:fld>
             <a:endParaRPr lang="en-US"/>
           </a:p>
@@ -895,7 +895,7 @@
           <a:p>
             <a:fld id="{1D8BD707-D9CF-40AE-B4C6-C98DA3205C09}" type="datetimeFigureOut">
               <a:rPr lang="en-US"/>
-              <a:t>8/30/2025</a:t>
+              <a:t>8/29/2025</a:t>
             </a:fld>
             <a:endParaRPr lang="en-US"/>
           </a:p>
@@ -1118,7 +1118,7 @@
           <a:p>
             <a:fld id="{1D8BD707-D9CF-40AE-B4C6-C98DA3205C09}" type="datetimeFigureOut">
               <a:rPr lang="en-US"/>
-              <a:t>8/30/2025</a:t>
+              <a:t>8/29/2025</a:t>
             </a:fld>
             <a:endParaRPr lang="en-US"/>
           </a:p>
@@ -1275,7 +1275,7 @@
           <a:p>
             <a:fld id="{1D8BD707-D9CF-40AE-B4C6-C98DA3205C09}" type="datetimeFigureOut">
               <a:rPr lang="en-US"/>
-              <a:t>8/30/2025</a:t>
+              <a:t>8/29/2025</a:t>
             </a:fld>
             <a:endParaRPr lang="en-US"/>
           </a:p>
@@ -1403,7 +1403,7 @@
           <a:p>
             <a:fld id="{1D8BD707-D9CF-40AE-B4C6-C98DA3205C09}" type="datetimeFigureOut">
               <a:rPr lang="en-US"/>
-              <a:t>8/30/2025</a:t>
+              <a:t>8/29/2025</a:t>
             </a:fld>
             <a:endParaRPr lang="en-US"/>
           </a:p>
@@ -2122,7 +2122,7 @@
           <a:p>
             <a:fld id="{1D8BD707-D9CF-40AE-B4C6-C98DA3205C09}" type="datetimeFigureOut">
               <a:rPr lang="en-US"/>
-              <a:t>8/30/2025</a:t>
+              <a:t>8/29/2025</a:t>
             </a:fld>
             <a:endParaRPr lang="en-US"/>
           </a:p>
@@ -2716,8 +2716,8 @@
         </p:nvSpPr>
         <p:spPr>
           <a:xfrm>
-            <a:off x="676275" y="2652050"/>
-            <a:ext cx="8610600" cy="2308324"/>
+            <a:off x="1305680" y="3851559"/>
+            <a:ext cx="8610600" cy="2677656"/>
           </a:xfrm>
           <a:prstGeom prst="rect">
             <a:avLst/>
@@ -2739,15 +2739,15 @@
               <a:t>UDENT NAME: </a:t>
             </a:r>
             <a:r>
-              <a:rPr lang="en-IN" sz="2400" dirty="0" err="1"/>
-              <a:t>E.sudha</a:t>
+              <a:rPr lang="en-IN" sz="2400" dirty="0"/>
+              <a:t>E.Sudha</a:t>
             </a:r>
             <a:endParaRPr lang="en-US" sz="2400" dirty="0"/>
           </a:p>
           <a:p>
             <a:r>
               <a:rPr lang="en-US" sz="2400" dirty="0"/>
-              <a:t>REGISTER NO AND NMID: </a:t>
+              <a:t>REGISTER NO AND NMID:</a:t>
             </a:r>
             <a:r>
               <a:rPr lang="en-IN" sz="2400" dirty="0"/>
@@ -2760,50 +2760,22 @@
           <a:p>
             <a:r>
               <a:rPr lang="en-US" sz="2400" dirty="0"/>
-              <a:t>DEPARTMENT: </a:t>
-            </a:r>
-            <a:r>
-              <a:rPr lang="en-IN" sz="2400" dirty="0" err="1"/>
-              <a:t>B.sc</a:t>
+              <a:t>DEPARTMENT:</a:t>
             </a:r>
             <a:r>
               <a:rPr lang="en-IN" sz="2400" dirty="0"/>
-              <a:t> computer science 2</a:t>
-            </a:r>
-            <a:r>
-              <a:rPr lang="en-IN" sz="2400" baseline="30000" dirty="0"/>
-              <a:t>nd</a:t>
+              <a:t>B.sc computer science</a:t>
+            </a:r>
+            <a:endParaRPr lang="en-US" sz="2400" dirty="0"/>
+          </a:p>
+          <a:p>
+            <a:r>
+              <a:rPr lang="en-US" sz="2400" dirty="0"/>
+              <a:t>COLLEGE</a:t>
             </a:r>
             <a:r>
               <a:rPr lang="en-IN" sz="2400" dirty="0"/>
-              <a:t> year</a:t>
-            </a:r>
-            <a:endParaRPr lang="en-US" sz="2400" dirty="0"/>
-          </a:p>
-          <a:p>
-            <a:r>
-              <a:rPr lang="en-US" sz="2400" dirty="0"/>
-              <a:t>COLLEGE:</a:t>
-            </a:r>
-            <a:r>
-              <a:rPr lang="en-IN" sz="2400" dirty="0" err="1"/>
-              <a:t>Ps.pt.MGR</a:t>
-            </a:r>
-            <a:r>
-              <a:rPr lang="en-IN" sz="2400" dirty="0"/>
-              <a:t> arts and science college </a:t>
-            </a:r>
-            <a:r>
-              <a:rPr lang="en-IN" sz="2400" dirty="0" err="1"/>
-              <a:t>Puthur</a:t>
-            </a:r>
-            <a:r>
-              <a:rPr lang="en-IN" sz="2400" dirty="0"/>
-              <a:t> </a:t>
-            </a:r>
-            <a:r>
-              <a:rPr lang="en-IN" sz="2400" dirty="0" err="1"/>
-              <a:t>sirkali</a:t>
+              <a:t>:PS.PT.MGR GOVT ARTS&amp;SCIENCE COLLEGE,PUTHUR SIRKALI</a:t>
             </a:r>
             <a:endParaRPr lang="en-US" sz="2400" dirty="0"/>
           </a:p>
@@ -3322,78 +3294,6 @@
           </a:p>
         </p:txBody>
       </p:sp>
-      <p:pic>
-        <p:nvPicPr>
-          <p:cNvPr id="12" name="Picture 11">
-            <a:extLst>
-              <a:ext uri="{FF2B5EF4-FFF2-40B4-BE49-F238E27FC236}">
-                <a16:creationId xmlns:a16="http://schemas.microsoft.com/office/drawing/2014/main" id="{8FF6A4ED-3421-230C-E338-3D8D4A00C191}"/>
-              </a:ext>
-            </a:extLst>
-          </p:cNvPr>
-          <p:cNvPicPr>
-            <a:picLocks noChangeAspect="1"/>
-          </p:cNvPicPr>
-          <p:nvPr/>
-        </p:nvPicPr>
-        <p:blipFill>
-          <a:blip r:embed="rId3">
-            <a:extLst>
-              <a:ext uri="{28A0092B-C50C-407E-A947-70E740481C1C}">
-                <a14:useLocalDpi xmlns:a14="http://schemas.microsoft.com/office/drawing/2010/main" val="0"/>
-              </a:ext>
-            </a:extLst>
-          </a:blip>
-          <a:stretch>
-            <a:fillRect/>
-          </a:stretch>
-        </p:blipFill>
-        <p:spPr>
-          <a:xfrm>
-            <a:off x="2099811" y="1857375"/>
-            <a:ext cx="4253786" cy="3317954"/>
-          </a:xfrm>
-          <a:prstGeom prst="rect">
-            <a:avLst/>
-          </a:prstGeom>
-        </p:spPr>
-      </p:pic>
-      <p:pic>
-        <p:nvPicPr>
-          <p:cNvPr id="13" name="Picture 12">
-            <a:extLst>
-              <a:ext uri="{FF2B5EF4-FFF2-40B4-BE49-F238E27FC236}">
-                <a16:creationId xmlns:a16="http://schemas.microsoft.com/office/drawing/2014/main" id="{54944DC0-66FE-5220-20CF-7C49132C33E8}"/>
-              </a:ext>
-            </a:extLst>
-          </p:cNvPr>
-          <p:cNvPicPr>
-            <a:picLocks noChangeAspect="1"/>
-          </p:cNvPicPr>
-          <p:nvPr/>
-        </p:nvPicPr>
-        <p:blipFill>
-          <a:blip r:embed="rId4">
-            <a:extLst>
-              <a:ext uri="{28A0092B-C50C-407E-A947-70E740481C1C}">
-                <a14:useLocalDpi xmlns:a14="http://schemas.microsoft.com/office/drawing/2010/main" val="0"/>
-              </a:ext>
-            </a:extLst>
-          </a:blip>
-          <a:stretch>
-            <a:fillRect/>
-          </a:stretch>
-        </p:blipFill>
-        <p:spPr>
-          <a:xfrm>
-            <a:off x="6696075" y="1745282"/>
-            <a:ext cx="4423830" cy="3445140"/>
-          </a:xfrm>
-          <a:prstGeom prst="rect">
-            <a:avLst/>
-          </a:prstGeom>
-        </p:spPr>
-      </p:pic>
     </p:spTree>
   </p:cSld>
   <p:clrMapOvr>
@@ -3718,8 +3618,8 @@
         </p:nvSpPr>
         <p:spPr>
           <a:xfrm>
-            <a:off x="0" y="0"/>
-            <a:ext cx="12192000" cy="6858000"/>
+            <a:off x="739775" y="1034748"/>
+            <a:ext cx="12429840" cy="4860761"/>
           </a:xfrm>
           <a:custGeom>
             <a:avLst/>
@@ -3756,10 +3656,43 @@
           <a:bodyPr wrap="square" lIns="0" tIns="0" rIns="0" bIns="0" rtlCol="0"/>
           <a:lstStyle/>
           <a:p>
-            <a:endParaRPr dirty="0">
+            <a:endParaRPr lang="en-IN" dirty="0">
               <a:latin typeface="Times New Roman" panose="02020603050405020304" pitchFamily="18" charset="0"/>
               <a:cs typeface="Times New Roman" panose="02020603050405020304" pitchFamily="18" charset="0"/>
             </a:endParaRPr>
+          </a:p>
+          <a:p>
+            <a:endParaRPr lang="en-IN" dirty="0">
+              <a:latin typeface="Times New Roman" panose="02020603050405020304" pitchFamily="18" charset="0"/>
+              <a:cs typeface="Times New Roman" panose="02020603050405020304" pitchFamily="18" charset="0"/>
+            </a:endParaRPr>
+          </a:p>
+          <a:p>
+            <a:endParaRPr lang="en-IN" dirty="0">
+              <a:latin typeface="Times New Roman" panose="02020603050405020304" pitchFamily="18" charset="0"/>
+              <a:cs typeface="Times New Roman" panose="02020603050405020304" pitchFamily="18" charset="0"/>
+            </a:endParaRPr>
+          </a:p>
+          <a:p>
+            <a:endParaRPr lang="en-IN" dirty="0">
+              <a:latin typeface="Times New Roman" panose="02020603050405020304" pitchFamily="18" charset="0"/>
+              <a:cs typeface="Times New Roman" panose="02020603050405020304" pitchFamily="18" charset="0"/>
+            </a:endParaRPr>
+          </a:p>
+          <a:p>
+            <a:endParaRPr lang="en-IN" dirty="0">
+              <a:latin typeface="Times New Roman" panose="02020603050405020304" pitchFamily="18" charset="0"/>
+              <a:cs typeface="Times New Roman" panose="02020603050405020304" pitchFamily="18" charset="0"/>
+            </a:endParaRPr>
+          </a:p>
+          <a:p>
+            <a:r>
+              <a:rPr lang="en-IN" dirty="0">
+                <a:latin typeface="Times New Roman" panose="02020603050405020304" pitchFamily="18" charset="0"/>
+                <a:cs typeface="Times New Roman" panose="02020603050405020304" pitchFamily="18" charset="0"/>
+              </a:rPr>
+              <a:t>Machine learning project </a:t>
+            </a:r>
           </a:p>
         </p:txBody>
       </p:sp>
@@ -4431,8 +4364,8 @@
         </p:nvSpPr>
         <p:spPr>
           <a:xfrm>
-            <a:off x="787225" y="2145728"/>
-            <a:ext cx="9070975" cy="1324722"/>
+            <a:off x="739775" y="829627"/>
+            <a:ext cx="3909695" cy="678180"/>
           </a:xfrm>
           <a:prstGeom prst="rect">
             <a:avLst/>
@@ -4464,14 +4397,7 @@
               <a:rPr sz="4250" spc="25" dirty="0"/>
               <a:t>TITLE</a:t>
             </a:r>
-            <a:br>
-              <a:rPr lang="en-IN" sz="4250" spc="25" dirty="0"/>
-            </a:br>
-            <a:r>
-              <a:rPr lang="en-IN" sz="4250" spc="25" dirty="0"/>
-              <a:t>machine learning Models</a:t>
-            </a:r>
-            <a:endParaRPr sz="4250" dirty="0"/>
+            <a:endParaRPr sz="4250"/>
           </a:p>
         </p:txBody>
       </p:sp>
@@ -6251,8 +6177,8 @@
         </p:nvSpPr>
         <p:spPr>
           <a:xfrm>
-            <a:off x="1651256" y="1314526"/>
-            <a:ext cx="7601601" cy="2632772"/>
+            <a:off x="834072" y="575055"/>
+            <a:ext cx="5636895" cy="3286797"/>
           </a:xfrm>
           <a:prstGeom prst="rect">
             <a:avLst/>
@@ -6276,63 +6202,19 @@
               </a:tabLst>
             </a:pPr>
             <a:r>
-              <a:rPr sz="4250" spc="-20" dirty="0"/>
-              <a:t>P</a:t>
-            </a:r>
-            <a:r>
-              <a:rPr sz="4250" spc="15" dirty="0"/>
-              <a:t>ROB</a:t>
-            </a:r>
-            <a:r>
-              <a:rPr sz="4250" spc="55" dirty="0"/>
-              <a:t>L</a:t>
-            </a:r>
-            <a:r>
-              <a:rPr sz="4250" spc="-20" dirty="0"/>
-              <a:t>E</a:t>
-            </a:r>
-            <a:r>
-              <a:rPr sz="4250" spc="20" dirty="0"/>
-              <a:t>M</a:t>
-            </a:r>
-            <a:r>
-              <a:rPr sz="4250" dirty="0"/>
-              <a:t>	</a:t>
-            </a:r>
-            <a:r>
-              <a:rPr sz="4250" spc="10" dirty="0"/>
-              <a:t>S</a:t>
-            </a:r>
-            <a:r>
-              <a:rPr sz="4250" spc="-370" dirty="0"/>
-              <a:t>T</a:t>
-            </a:r>
-            <a:r>
-              <a:rPr sz="4250" spc="-375" dirty="0"/>
-              <a:t>A</a:t>
-            </a:r>
-            <a:r>
-              <a:rPr sz="4250" spc="15" dirty="0"/>
-              <a:t>T</a:t>
-            </a:r>
-            <a:r>
-              <a:rPr sz="4250" spc="-10" dirty="0"/>
-              <a:t>E</a:t>
-            </a:r>
-            <a:r>
-              <a:rPr sz="4250" spc="-20" dirty="0"/>
-              <a:t>ME</a:t>
-            </a:r>
-            <a:r>
-              <a:rPr sz="4250" spc="10" dirty="0"/>
-              <a:t>NT</a:t>
+              <a:rPr lang="en-IN" sz="4250" dirty="0"/>
+              <a:t>Problem statement </a:t>
             </a:r>
             <a:br>
-              <a:rPr lang="en-IN" sz="4250" spc="10" dirty="0"/>
+              <a:rPr lang="en-IN" sz="4250" b="0" dirty="0"/>
             </a:br>
             <a:r>
-              <a:rPr lang="en-IN" sz="4250" spc="10" dirty="0"/>
-              <a:t>briefly explain the real-world problem you are trying to solve with your project</a:t>
+              <a:rPr lang="en-IN" sz="4250" b="0" dirty="0" err="1"/>
+              <a:t>Brifly</a:t>
+            </a:r>
+            <a:r>
+              <a:rPr lang="en-IN" sz="4250" b="0" dirty="0"/>
+              <a:t> explain the real-world problem you are trying to solve with your project</a:t>
             </a:r>
             <a:endParaRPr sz="4250" dirty="0"/>
           </a:p>
@@ -6919,7 +6801,7 @@
         <p:spPr>
           <a:xfrm>
             <a:off x="699452" y="891793"/>
-            <a:ext cx="5014595" cy="2971326"/>
+            <a:ext cx="5014595" cy="2478884"/>
           </a:xfrm>
           <a:prstGeom prst="rect">
             <a:avLst/>
@@ -7028,7 +6910,7 @@
             </a:r>
             <a:r>
               <a:rPr lang="en-IN" sz="3200" spc="5" dirty="0" err="1"/>
-              <a:t>ex:specific</a:t>
+              <a:t>example:specific</a:t>
             </a:r>
             <a:r>
               <a:rPr lang="en-IN" sz="3200" spc="5" dirty="0"/>
@@ -7042,9 +6924,6 @@
               <a:rPr lang="en-IN" sz="3200" spc="5" dirty="0"/>
               <a:t>..</a:t>
             </a:r>
-            <a:br>
-              <a:rPr lang="en-IN" sz="3200" spc="5" dirty="0"/>
-            </a:br>
             <a:endParaRPr sz="3200" dirty="0"/>
           </a:p>
         </p:txBody>
@@ -7347,15 +7226,7 @@
             </a:br>
             <a:r>
               <a:rPr lang="en-IN" sz="3600" spc="10" dirty="0"/>
-              <a:t>List the software and </a:t>
-            </a:r>
-            <a:r>
-              <a:rPr lang="en-IN" sz="3600" spc="10" dirty="0" err="1"/>
-              <a:t>ibararies</a:t>
-            </a:r>
-            <a:r>
-              <a:rPr lang="en-IN" sz="3600" spc="10" dirty="0"/>
-              <a:t> you </a:t>
+              <a:t>List the software and libraries you </a:t>
             </a:r>
             <a:r>
               <a:rPr lang="en-IN" sz="3600" spc="10" dirty="0" err="1"/>
@@ -7630,11 +7501,18 @@
               </a:spcBef>
             </a:pPr>
             <a:r>
-              <a:rPr lang="en-IN" sz="4000" b="1" spc="15" dirty="0">
+              <a:rPr lang="en-IN" sz="4000" dirty="0">
                 <a:latin typeface="Trebuchet MS"/>
                 <a:cs typeface="Trebuchet MS"/>
               </a:rPr>
-              <a:t>Explain how you structured your projects presentation or portfolio</a:t>
+              <a:t>Explain how you structure your project presentation or </a:t>
+            </a:r>
+            <a:r>
+              <a:rPr lang="en-IN" sz="4000" dirty="0" err="1">
+                <a:latin typeface="Trebuchet MS"/>
+                <a:cs typeface="Trebuchet MS"/>
+              </a:rPr>
+              <a:t>portofolio</a:t>
             </a:r>
             <a:endParaRPr sz="4000" dirty="0">
               <a:latin typeface="Trebuchet MS"/>
@@ -7753,7 +7631,7 @@
             </a:br>
             <a:r>
               <a:rPr lang="en-IN" dirty="0"/>
-              <a:t>Describe the key function so your model and what it can do</a:t>
+              <a:t>describe the key function of your model and what it can do</a:t>
             </a:r>
           </a:p>
         </p:txBody>
